--- a/Slides/DHCAL_FortnightlyReport20170113.pptx
+++ b/Slides/DHCAL_FortnightlyReport20170113.pptx
@@ -3863,7 +3863,11 @@
           <a:bodyPr/>
           <a:lstStyle/>
           <a:p>
-            <a:endParaRPr lang="zh-CN" altLang="en-US"/>
+            <a:r>
+              <a:rPr lang="en-US" altLang="zh-CN" dirty="0"/>
+              <a:t>DHCAL Readout Electronics</a:t>
+            </a:r>
+            <a:endParaRPr lang="zh-CN" altLang="en-US" dirty="0"/>
           </a:p>
         </p:txBody>
       </p:sp>
